--- a/FIX.pptx
+++ b/FIX.pptx
@@ -23,29 +23,29 @@
   <p:notesSz cx="6858000" cy="9144000"/>
   <p:embeddedFontLst>
     <p:embeddedFont>
-      <p:font typeface="맑은 고딕" pitchFamily="50" charset="-127"/>
+      <p:font typeface="Calibri" pitchFamily="34" charset="0"/>
       <p:regular r:id="rId13"/>
       <p:bold r:id="rId14"/>
+      <p:italic r:id="rId15"/>
+      <p:boldItalic r:id="rId16"/>
     </p:embeddedFont>
     <p:embeddedFont>
       <p:font typeface="-윤고딕330" charset="-127"/>
-      <p:regular r:id="rId15"/>
+      <p:regular r:id="rId17"/>
+    </p:embeddedFont>
+    <p:embeddedFont>
+      <p:font typeface="Calibri Light" pitchFamily="34" charset="0"/>
+      <p:regular r:id="rId18"/>
+      <p:italic r:id="rId19"/>
     </p:embeddedFont>
     <p:embeddedFont>
       <p:font typeface="서울남산체 M" pitchFamily="18" charset="-127"/>
-      <p:regular r:id="rId16"/>
+      <p:regular r:id="rId20"/>
     </p:embeddedFont>
     <p:embeddedFont>
-      <p:font typeface="Calibri" pitchFamily="34" charset="0"/>
-      <p:regular r:id="rId17"/>
-      <p:bold r:id="rId18"/>
-      <p:italic r:id="rId19"/>
-      <p:boldItalic r:id="rId20"/>
-    </p:embeddedFont>
-    <p:embeddedFont>
-      <p:font typeface="Calibri Light" pitchFamily="34" charset="0"/>
+      <p:font typeface="맑은 고딕" pitchFamily="50" charset="-127"/>
       <p:regular r:id="rId21"/>
-      <p:italic r:id="rId22"/>
+      <p:bold r:id="rId22"/>
     </p:embeddedFont>
   </p:embeddedFontLst>
   <p:defaultTextStyle>
@@ -145,7 +145,7 @@
   </p:defaultTextStyle>
   <p:extLst>
     <p:ext uri="{EFAFB233-063F-42B5-8137-9DF3F51BA10A}">
-      <p15:sldGuideLst xmlns:p15="http://schemas.microsoft.com/office/powerpoint/2012/main" xmlns="">
+      <p15:sldGuideLst xmlns="" xmlns:p15="http://schemas.microsoft.com/office/powerpoint/2012/main">
         <p15:guide id="1" orient="horz" pos="2364" userDrawn="1">
           <p15:clr>
             <a:srgbClr val="A4A3A4"/>
@@ -12040,7 +12040,7 @@
         </p:blipFill>
         <p:spPr bwMode="auto">
           <a:xfrm>
-            <a:off x="1338738" y="2030795"/>
+            <a:off x="1745138" y="2067617"/>
             <a:ext cx="2520000" cy="4200000"/>
           </a:xfrm>
           <a:prstGeom prst="rect">
@@ -12081,7 +12081,7 @@
         </p:blipFill>
         <p:spPr bwMode="auto">
           <a:xfrm>
-            <a:off x="1338739" y="2055343"/>
+            <a:off x="1745139" y="2067617"/>
             <a:ext cx="2520000" cy="4200000"/>
           </a:xfrm>
           <a:prstGeom prst="rect">
@@ -12122,7 +12122,7 @@
         </p:blipFill>
         <p:spPr bwMode="auto">
           <a:xfrm>
-            <a:off x="1338739" y="2055343"/>
+            <a:off x="1745139" y="2067617"/>
             <a:ext cx="2520000" cy="4200000"/>
           </a:xfrm>
           <a:prstGeom prst="rect">
@@ -12163,7 +12163,7 @@
         </p:blipFill>
         <p:spPr bwMode="auto">
           <a:xfrm>
-            <a:off x="1338739" y="2055343"/>
+            <a:off x="1745138" y="2067617"/>
             <a:ext cx="2520000" cy="4200000"/>
           </a:xfrm>
           <a:prstGeom prst="rect">
@@ -12204,7 +12204,7 @@
         </p:blipFill>
         <p:spPr bwMode="auto">
           <a:xfrm>
-            <a:off x="1338739" y="2055343"/>
+            <a:off x="1745138" y="2067617"/>
             <a:ext cx="2520000" cy="4200000"/>
           </a:xfrm>
           <a:prstGeom prst="rect">
@@ -12245,7 +12245,7 @@
         </p:blipFill>
         <p:spPr bwMode="auto">
           <a:xfrm>
-            <a:off x="1338738" y="2030795"/>
+            <a:off x="1745138" y="2067617"/>
             <a:ext cx="2520000" cy="4200000"/>
           </a:xfrm>
           <a:prstGeom prst="rect">
@@ -12286,7 +12286,7 @@
         </p:blipFill>
         <p:spPr bwMode="auto">
           <a:xfrm>
-            <a:off x="1338739" y="2030795"/>
+            <a:off x="1745139" y="2067617"/>
             <a:ext cx="2520000" cy="4200000"/>
           </a:xfrm>
           <a:prstGeom prst="rect">
@@ -12327,7 +12327,7 @@
         </p:blipFill>
         <p:spPr bwMode="auto">
           <a:xfrm>
-            <a:off x="1338738" y="2055343"/>
+            <a:off x="1745139" y="2067617"/>
             <a:ext cx="2520000" cy="4200000"/>
           </a:xfrm>
           <a:prstGeom prst="rect">
@@ -12368,7 +12368,7 @@
         </p:blipFill>
         <p:spPr bwMode="auto">
           <a:xfrm>
-            <a:off x="1338738" y="2030795"/>
+            <a:off x="1745138" y="2067617"/>
             <a:ext cx="2520000" cy="4200000"/>
           </a:xfrm>
           <a:prstGeom prst="rect">
@@ -12409,7 +12409,7 @@
         </p:blipFill>
         <p:spPr bwMode="auto">
           <a:xfrm>
-            <a:off x="1338739" y="2030795"/>
+            <a:off x="1745139" y="2067617"/>
             <a:ext cx="2520000" cy="4200000"/>
           </a:xfrm>
           <a:prstGeom prst="rect">
@@ -12450,7 +12450,7 @@
         </p:blipFill>
         <p:spPr bwMode="auto">
           <a:xfrm>
-            <a:off x="1338738" y="2030795"/>
+            <a:off x="1745138" y="2067617"/>
             <a:ext cx="2520000" cy="4200000"/>
           </a:xfrm>
           <a:prstGeom prst="rect">
@@ -12491,7 +12491,7 @@
         </p:blipFill>
         <p:spPr bwMode="auto">
           <a:xfrm>
-            <a:off x="1338738" y="2030795"/>
+            <a:off x="1745138" y="2067617"/>
             <a:ext cx="2520000" cy="4200000"/>
           </a:xfrm>
           <a:prstGeom prst="rect">
@@ -12532,7 +12532,7 @@
         </p:blipFill>
         <p:spPr bwMode="auto">
           <a:xfrm>
-            <a:off x="1338738" y="2030795"/>
+            <a:off x="5285262" y="2067617"/>
             <a:ext cx="2520000" cy="4200000"/>
           </a:xfrm>
           <a:prstGeom prst="rect">
@@ -12558,7 +12558,7 @@
         </p:nvSpPr>
         <p:spPr>
           <a:xfrm>
-            <a:off x="342900" y="2030795"/>
+            <a:off x="749301" y="2067617"/>
             <a:ext cx="995838" cy="529525"/>
           </a:xfrm>
           <a:prstGeom prst="rect">
@@ -12608,479 +12608,6 @@
               </a:rPr>
               <a:t>신</a:t>
             </a:r>
-          </a:p>
-        </p:txBody>
-      </p:sp>
-      <p:pic>
-        <p:nvPicPr>
-          <p:cNvPr id="27" name="Picture 2" descr="C:\Users\user\Downloads\사진과 설명\청년\1. 동의서.png"/>
-          <p:cNvPicPr>
-            <a:picLocks noChangeAspect="1" noChangeArrowheads="1"/>
-          </p:cNvPicPr>
-          <p:nvPr/>
-        </p:nvPicPr>
-        <p:blipFill>
-          <a:blip r:embed="rId16">
-            <a:extLst>
-              <a:ext uri="{28A0092B-C50C-407E-A947-70E740481C1C}">
-                <a14:useLocalDpi xmlns:a14="http://schemas.microsoft.com/office/drawing/2010/main" val="0"/>
-              </a:ext>
-            </a:extLst>
-          </a:blip>
-          <a:srcRect/>
-          <a:stretch>
-            <a:fillRect/>
-          </a:stretch>
-        </p:blipFill>
-        <p:spPr bwMode="auto">
-          <a:xfrm>
-            <a:off x="5870223" y="2030795"/>
-            <a:ext cx="2520000" cy="4200000"/>
-          </a:xfrm>
-          <a:prstGeom prst="rect">
-            <a:avLst/>
-          </a:prstGeom>
-          <a:noFill/>
-          <a:extLst>
-            <a:ext uri="{909E8E84-426E-40DD-AFC4-6F175D3DCCD1}">
-              <a14:hiddenFill xmlns:a14="http://schemas.microsoft.com/office/drawing/2010/main">
-                <a:solidFill>
-                  <a:srgbClr val="FFFFFF"/>
-                </a:solidFill>
-              </a14:hiddenFill>
-            </a:ext>
-          </a:extLst>
-        </p:spPr>
-      </p:pic>
-      <p:pic>
-        <p:nvPicPr>
-          <p:cNvPr id="2060" name="Picture 12" descr="C:\Users\user\Downloads\사진과 설명\청년\2. 기본정보.png"/>
-          <p:cNvPicPr>
-            <a:picLocks noChangeAspect="1" noChangeArrowheads="1"/>
-          </p:cNvPicPr>
-          <p:nvPr/>
-        </p:nvPicPr>
-        <p:blipFill>
-          <a:blip r:embed="rId17">
-            <a:extLst>
-              <a:ext uri="{28A0092B-C50C-407E-A947-70E740481C1C}">
-                <a14:useLocalDpi xmlns:a14="http://schemas.microsoft.com/office/drawing/2010/main" val="0"/>
-              </a:ext>
-            </a:extLst>
-          </a:blip>
-          <a:srcRect/>
-          <a:stretch>
-            <a:fillRect/>
-          </a:stretch>
-        </p:blipFill>
-        <p:spPr bwMode="auto">
-          <a:xfrm>
-            <a:off x="5870223" y="2030795"/>
-            <a:ext cx="2520000" cy="4200000"/>
-          </a:xfrm>
-          <a:prstGeom prst="rect">
-            <a:avLst/>
-          </a:prstGeom>
-          <a:noFill/>
-          <a:extLst>
-            <a:ext uri="{909E8E84-426E-40DD-AFC4-6F175D3DCCD1}">
-              <a14:hiddenFill xmlns:a14="http://schemas.microsoft.com/office/drawing/2010/main">
-                <a:solidFill>
-                  <a:srgbClr val="FFFFFF"/>
-                </a:solidFill>
-              </a14:hiddenFill>
-            </a:ext>
-          </a:extLst>
-        </p:spPr>
-      </p:pic>
-      <p:pic>
-        <p:nvPicPr>
-          <p:cNvPr id="2061" name="Picture 13" descr="C:\Users\user\Downloads\사진과 설명\청년\3. 이메일 입력.png"/>
-          <p:cNvPicPr>
-            <a:picLocks noChangeAspect="1" noChangeArrowheads="1"/>
-          </p:cNvPicPr>
-          <p:nvPr/>
-        </p:nvPicPr>
-        <p:blipFill>
-          <a:blip r:embed="rId18">
-            <a:extLst>
-              <a:ext uri="{28A0092B-C50C-407E-A947-70E740481C1C}">
-                <a14:useLocalDpi xmlns:a14="http://schemas.microsoft.com/office/drawing/2010/main" val="0"/>
-              </a:ext>
-            </a:extLst>
-          </a:blip>
-          <a:srcRect/>
-          <a:stretch>
-            <a:fillRect/>
-          </a:stretch>
-        </p:blipFill>
-        <p:spPr bwMode="auto">
-          <a:xfrm>
-            <a:off x="5870223" y="2030795"/>
-            <a:ext cx="2520000" cy="4200000"/>
-          </a:xfrm>
-          <a:prstGeom prst="rect">
-            <a:avLst/>
-          </a:prstGeom>
-          <a:noFill/>
-          <a:extLst>
-            <a:ext uri="{909E8E84-426E-40DD-AFC4-6F175D3DCCD1}">
-              <a14:hiddenFill xmlns:a14="http://schemas.microsoft.com/office/drawing/2010/main">
-                <a:solidFill>
-                  <a:srgbClr val="FFFFFF"/>
-                </a:solidFill>
-              </a14:hiddenFill>
-            </a:ext>
-          </a:extLst>
-        </p:spPr>
-      </p:pic>
-      <p:pic>
-        <p:nvPicPr>
-          <p:cNvPr id="2062" name="Picture 14" descr="C:\Users\user\Downloads\사진과 설명\청년\4. 이메일 팝업.png"/>
-          <p:cNvPicPr>
-            <a:picLocks noChangeAspect="1" noChangeArrowheads="1"/>
-          </p:cNvPicPr>
-          <p:nvPr/>
-        </p:nvPicPr>
-        <p:blipFill>
-          <a:blip r:embed="rId19">
-            <a:extLst>
-              <a:ext uri="{28A0092B-C50C-407E-A947-70E740481C1C}">
-                <a14:useLocalDpi xmlns:a14="http://schemas.microsoft.com/office/drawing/2010/main" val="0"/>
-              </a:ext>
-            </a:extLst>
-          </a:blip>
-          <a:srcRect/>
-          <a:stretch>
-            <a:fillRect/>
-          </a:stretch>
-        </p:blipFill>
-        <p:spPr bwMode="auto">
-          <a:xfrm>
-            <a:off x="5870223" y="2030795"/>
-            <a:ext cx="2520000" cy="4200000"/>
-          </a:xfrm>
-          <a:prstGeom prst="rect">
-            <a:avLst/>
-          </a:prstGeom>
-          <a:noFill/>
-          <a:extLst>
-            <a:ext uri="{909E8E84-426E-40DD-AFC4-6F175D3DCCD1}">
-              <a14:hiddenFill xmlns:a14="http://schemas.microsoft.com/office/drawing/2010/main">
-                <a:solidFill>
-                  <a:srgbClr val="FFFFFF"/>
-                </a:solidFill>
-              </a14:hiddenFill>
-            </a:ext>
-          </a:extLst>
-        </p:spPr>
-      </p:pic>
-      <p:pic>
-        <p:nvPicPr>
-          <p:cNvPr id="2063" name="Picture 15" descr="C:\Users\user\Downloads\사진과 설명\청년\5. 이메일 전송됨.JPG"/>
-          <p:cNvPicPr>
-            <a:picLocks noChangeAspect="1" noChangeArrowheads="1"/>
-          </p:cNvPicPr>
-          <p:nvPr/>
-        </p:nvPicPr>
-        <p:blipFill>
-          <a:blip r:embed="rId20">
-            <a:extLst>
-              <a:ext uri="{28A0092B-C50C-407E-A947-70E740481C1C}">
-                <a14:useLocalDpi xmlns:a14="http://schemas.microsoft.com/office/drawing/2010/main" val="0"/>
-              </a:ext>
-            </a:extLst>
-          </a:blip>
-          <a:srcRect/>
-          <a:stretch>
-            <a:fillRect/>
-          </a:stretch>
-        </p:blipFill>
-        <p:spPr bwMode="auto">
-          <a:xfrm>
-            <a:off x="5960223" y="3635550"/>
-            <a:ext cx="2340000" cy="990490"/>
-          </a:xfrm>
-          <a:prstGeom prst="rect">
-            <a:avLst/>
-          </a:prstGeom>
-          <a:noFill/>
-          <a:ln w="25400">
-            <a:solidFill>
-              <a:srgbClr val="F55344"/>
-            </a:solidFill>
-          </a:ln>
-          <a:extLst>
-            <a:ext uri="{909E8E84-426E-40DD-AFC4-6F175D3DCCD1}">
-              <a14:hiddenFill xmlns:a14="http://schemas.microsoft.com/office/drawing/2010/main">
-                <a:solidFill>
-                  <a:srgbClr val="FFFFFF"/>
-                </a:solidFill>
-              </a14:hiddenFill>
-            </a:ext>
-          </a:extLst>
-        </p:spPr>
-      </p:pic>
-      <p:pic>
-        <p:nvPicPr>
-          <p:cNvPr id="2064" name="Picture 16" descr="C:\Users\user\Downloads\사진과 설명\청년\6. 코드 입력.png"/>
-          <p:cNvPicPr>
-            <a:picLocks noChangeAspect="1" noChangeArrowheads="1"/>
-          </p:cNvPicPr>
-          <p:nvPr/>
-        </p:nvPicPr>
-        <p:blipFill>
-          <a:blip r:embed="rId21">
-            <a:extLst>
-              <a:ext uri="{28A0092B-C50C-407E-A947-70E740481C1C}">
-                <a14:useLocalDpi xmlns:a14="http://schemas.microsoft.com/office/drawing/2010/main" val="0"/>
-              </a:ext>
-            </a:extLst>
-          </a:blip>
-          <a:srcRect/>
-          <a:stretch>
-            <a:fillRect/>
-          </a:stretch>
-        </p:blipFill>
-        <p:spPr bwMode="auto">
-          <a:xfrm>
-            <a:off x="5870223" y="2055343"/>
-            <a:ext cx="2520000" cy="4200000"/>
-          </a:xfrm>
-          <a:prstGeom prst="rect">
-            <a:avLst/>
-          </a:prstGeom>
-          <a:noFill/>
-          <a:extLst>
-            <a:ext uri="{909E8E84-426E-40DD-AFC4-6F175D3DCCD1}">
-              <a14:hiddenFill xmlns:a14="http://schemas.microsoft.com/office/drawing/2010/main">
-                <a:solidFill>
-                  <a:srgbClr val="FFFFFF"/>
-                </a:solidFill>
-              </a14:hiddenFill>
-            </a:ext>
-          </a:extLst>
-        </p:spPr>
-      </p:pic>
-      <p:pic>
-        <p:nvPicPr>
-          <p:cNvPr id="2065" name="Picture 17" descr="C:\Users\user\Downloads\사진과 설명\청년\7. 인증완료.png"/>
-          <p:cNvPicPr>
-            <a:picLocks noChangeAspect="1" noChangeArrowheads="1"/>
-          </p:cNvPicPr>
-          <p:nvPr/>
-        </p:nvPicPr>
-        <p:blipFill>
-          <a:blip r:embed="rId22">
-            <a:extLst>
-              <a:ext uri="{28A0092B-C50C-407E-A947-70E740481C1C}">
-                <a14:useLocalDpi xmlns:a14="http://schemas.microsoft.com/office/drawing/2010/main" val="0"/>
-              </a:ext>
-            </a:extLst>
-          </a:blip>
-          <a:srcRect/>
-          <a:stretch>
-            <a:fillRect/>
-          </a:stretch>
-        </p:blipFill>
-        <p:spPr bwMode="auto">
-          <a:xfrm>
-            <a:off x="5870223" y="2055343"/>
-            <a:ext cx="2520000" cy="4200000"/>
-          </a:xfrm>
-          <a:prstGeom prst="rect">
-            <a:avLst/>
-          </a:prstGeom>
-          <a:noFill/>
-          <a:extLst>
-            <a:ext uri="{909E8E84-426E-40DD-AFC4-6F175D3DCCD1}">
-              <a14:hiddenFill xmlns:a14="http://schemas.microsoft.com/office/drawing/2010/main">
-                <a:solidFill>
-                  <a:srgbClr val="FFFFFF"/>
-                </a:solidFill>
-              </a14:hiddenFill>
-            </a:ext>
-          </a:extLst>
-        </p:spPr>
-      </p:pic>
-      <p:pic>
-        <p:nvPicPr>
-          <p:cNvPr id="2066" name="Picture 18" descr="C:\Users\user\Downloads\사진과 설명\청년\8. 신분증 제출.png"/>
-          <p:cNvPicPr>
-            <a:picLocks noChangeAspect="1" noChangeArrowheads="1"/>
-          </p:cNvPicPr>
-          <p:nvPr/>
-        </p:nvPicPr>
-        <p:blipFill>
-          <a:blip r:embed="rId23">
-            <a:extLst>
-              <a:ext uri="{28A0092B-C50C-407E-A947-70E740481C1C}">
-                <a14:useLocalDpi xmlns:a14="http://schemas.microsoft.com/office/drawing/2010/main" val="0"/>
-              </a:ext>
-            </a:extLst>
-          </a:blip>
-          <a:srcRect/>
-          <a:stretch>
-            <a:fillRect/>
-          </a:stretch>
-        </p:blipFill>
-        <p:spPr bwMode="auto">
-          <a:xfrm>
-            <a:off x="5870223" y="2030795"/>
-            <a:ext cx="2520000" cy="4200000"/>
-          </a:xfrm>
-          <a:prstGeom prst="rect">
-            <a:avLst/>
-          </a:prstGeom>
-          <a:noFill/>
-          <a:extLst>
-            <a:ext uri="{909E8E84-426E-40DD-AFC4-6F175D3DCCD1}">
-              <a14:hiddenFill xmlns:a14="http://schemas.microsoft.com/office/drawing/2010/main">
-                <a:solidFill>
-                  <a:srgbClr val="FFFFFF"/>
-                </a:solidFill>
-              </a14:hiddenFill>
-            </a:ext>
-          </a:extLst>
-        </p:spPr>
-      </p:pic>
-      <p:pic>
-        <p:nvPicPr>
-          <p:cNvPr id="2067" name="Picture 19" descr="C:\Users\user\Downloads\사진과 설명\청년\9. 로그인 기입.png"/>
-          <p:cNvPicPr>
-            <a:picLocks noChangeAspect="1" noChangeArrowheads="1"/>
-          </p:cNvPicPr>
-          <p:nvPr/>
-        </p:nvPicPr>
-        <p:blipFill>
-          <a:blip r:embed="rId24">
-            <a:extLst>
-              <a:ext uri="{28A0092B-C50C-407E-A947-70E740481C1C}">
-                <a14:useLocalDpi xmlns:a14="http://schemas.microsoft.com/office/drawing/2010/main" val="0"/>
-              </a:ext>
-            </a:extLst>
-          </a:blip>
-          <a:srcRect/>
-          <a:stretch>
-            <a:fillRect/>
-          </a:stretch>
-        </p:blipFill>
-        <p:spPr bwMode="auto">
-          <a:xfrm>
-            <a:off x="5870223" y="2030795"/>
-            <a:ext cx="2520000" cy="4200000"/>
-          </a:xfrm>
-          <a:prstGeom prst="rect">
-            <a:avLst/>
-          </a:prstGeom>
-          <a:noFill/>
-          <a:extLst>
-            <a:ext uri="{909E8E84-426E-40DD-AFC4-6F175D3DCCD1}">
-              <a14:hiddenFill xmlns:a14="http://schemas.microsoft.com/office/drawing/2010/main">
-                <a:solidFill>
-                  <a:srgbClr val="FFFFFF"/>
-                </a:solidFill>
-              </a14:hiddenFill>
-            </a:ext>
-          </a:extLst>
-        </p:spPr>
-      </p:pic>
-      <p:pic>
-        <p:nvPicPr>
-          <p:cNvPr id="2068" name="Picture 20" descr="C:\Users\user\Downloads\사진과 설명\청년\10. DB연결통해 로그인.png"/>
-          <p:cNvPicPr>
-            <a:picLocks noChangeAspect="1" noChangeArrowheads="1"/>
-          </p:cNvPicPr>
-          <p:nvPr/>
-        </p:nvPicPr>
-        <p:blipFill>
-          <a:blip r:embed="rId25">
-            <a:extLst>
-              <a:ext uri="{28A0092B-C50C-407E-A947-70E740481C1C}">
-                <a14:useLocalDpi xmlns:a14="http://schemas.microsoft.com/office/drawing/2010/main" val="0"/>
-              </a:ext>
-            </a:extLst>
-          </a:blip>
-          <a:srcRect/>
-          <a:stretch>
-            <a:fillRect/>
-          </a:stretch>
-        </p:blipFill>
-        <p:spPr bwMode="auto">
-          <a:xfrm>
-            <a:off x="5870223" y="2030795"/>
-            <a:ext cx="2520000" cy="4200000"/>
-          </a:xfrm>
-          <a:prstGeom prst="rect">
-            <a:avLst/>
-          </a:prstGeom>
-          <a:noFill/>
-          <a:extLst>
-            <a:ext uri="{909E8E84-426E-40DD-AFC4-6F175D3DCCD1}">
-              <a14:hiddenFill xmlns:a14="http://schemas.microsoft.com/office/drawing/2010/main">
-                <a:solidFill>
-                  <a:srgbClr val="FFFFFF"/>
-                </a:solidFill>
-              </a14:hiddenFill>
-            </a:ext>
-          </a:extLst>
-        </p:spPr>
-      </p:pic>
-      <p:sp>
-        <p:nvSpPr>
-          <p:cNvPr id="56" name="직사각형 55"/>
-          <p:cNvSpPr/>
-          <p:nvPr/>
-        </p:nvSpPr>
-        <p:spPr>
-          <a:xfrm>
-            <a:off x="4874385" y="2030795"/>
-            <a:ext cx="995838" cy="529525"/>
-          </a:xfrm>
-          <a:prstGeom prst="rect">
-            <a:avLst/>
-          </a:prstGeom>
-          <a:solidFill>
-            <a:srgbClr val="9CB7CA"/>
-          </a:solidFill>
-          <a:ln>
-            <a:noFill/>
-          </a:ln>
-        </p:spPr>
-        <p:style>
-          <a:lnRef idx="2">
-            <a:schemeClr val="accent1">
-              <a:shade val="50000"/>
-            </a:schemeClr>
-          </a:lnRef>
-          <a:fillRef idx="1">
-            <a:schemeClr val="accent1"/>
-          </a:fillRef>
-          <a:effectRef idx="0">
-            <a:schemeClr val="accent1"/>
-          </a:effectRef>
-          <a:fontRef idx="minor">
-            <a:schemeClr val="lt1"/>
-          </a:fontRef>
-        </p:style>
-        <p:txBody>
-          <a:bodyPr rtlCol="0" anchor="ctr"/>
-          <a:lstStyle/>
-          <a:p>
-            <a:pPr algn="ctr"/>
-            <a:r>
-              <a:rPr lang="ko-KR" altLang="en-US" b="1" dirty="0" smtClean="0">
-                <a:solidFill>
-                  <a:srgbClr val="446681"/>
-                </a:solidFill>
-              </a:rPr>
-              <a:t>대학생</a:t>
-            </a:r>
-            <a:endParaRPr lang="en-US" altLang="ko-KR" b="1" dirty="0" smtClean="0">
-              <a:solidFill>
-                <a:srgbClr val="446681"/>
-              </a:solidFill>
-            </a:endParaRPr>
           </a:p>
         </p:txBody>
       </p:sp>
@@ -13491,7 +13018,7 @@
                                           </p:stCondLst>
                                         </p:cTn>
                                         <p:tgtEl>
-                                          <p:spTgt spid="4120"/>
+                                          <p:spTgt spid="4113"/>
                                         </p:tgtEl>
                                         <p:attrNameLst>
                                           <p:attrName>style.visibility</p:attrName>
@@ -13536,7 +13063,7 @@
                                           </p:stCondLst>
                                         </p:cTn>
                                         <p:tgtEl>
-                                          <p:spTgt spid="4121"/>
+                                          <p:spTgt spid="4120"/>
                                         </p:tgtEl>
                                         <p:attrNameLst>
                                           <p:attrName>style.visibility</p:attrName>
@@ -13581,7 +13108,7 @@
                                           </p:stCondLst>
                                         </p:cTn>
                                         <p:tgtEl>
-                                          <p:spTgt spid="4122"/>
+                                          <p:spTgt spid="4121"/>
                                         </p:tgtEl>
                                         <p:attrNameLst>
                                           <p:attrName>style.visibility</p:attrName>
@@ -13626,7 +13153,7 @@
                                           </p:stCondLst>
                                         </p:cTn>
                                         <p:tgtEl>
-                                          <p:spTgt spid="4123"/>
+                                          <p:spTgt spid="4122"/>
                                         </p:tgtEl>
                                         <p:attrNameLst>
                                           <p:attrName>style.visibility</p:attrName>
@@ -13671,457 +13198,7 @@
                                           </p:stCondLst>
                                         </p:cTn>
                                         <p:tgtEl>
-                                          <p:spTgt spid="4113"/>
-                                        </p:tgtEl>
-                                        <p:attrNameLst>
-                                          <p:attrName>style.visibility</p:attrName>
-                                        </p:attrNameLst>
-                                      </p:cBhvr>
-                                      <p:to>
-                                        <p:strVal val="visible"/>
-                                      </p:to>
-                                    </p:set>
-                                  </p:childTnLst>
-                                </p:cTn>
-                              </p:par>
-                            </p:childTnLst>
-                          </p:cTn>
-                        </p:par>
-                      </p:childTnLst>
-                    </p:cTn>
-                  </p:par>
-                  <p:par>
-                    <p:cTn id="55" fill="hold">
-                      <p:stCondLst>
-                        <p:cond delay="indefinite"/>
-                      </p:stCondLst>
-                      <p:childTnLst>
-                        <p:par>
-                          <p:cTn id="56" fill="hold">
-                            <p:stCondLst>
-                              <p:cond delay="0"/>
-                            </p:stCondLst>
-                            <p:childTnLst>
-                              <p:par>
-                                <p:cTn id="57" presetID="1" presetClass="entr" presetSubtype="0" fill="hold" nodeType="clickEffect">
-                                  <p:stCondLst>
-                                    <p:cond delay="0"/>
-                                  </p:stCondLst>
-                                  <p:childTnLst>
-                                    <p:set>
-                                      <p:cBhvr>
-                                        <p:cTn id="58" dur="1" fill="hold">
-                                          <p:stCondLst>
-                                            <p:cond delay="0"/>
-                                          </p:stCondLst>
-                                        </p:cTn>
-                                        <p:tgtEl>
-                                          <p:spTgt spid="27"/>
-                                        </p:tgtEl>
-                                        <p:attrNameLst>
-                                          <p:attrName>style.visibility</p:attrName>
-                                        </p:attrNameLst>
-                                      </p:cBhvr>
-                                      <p:to>
-                                        <p:strVal val="visible"/>
-                                      </p:to>
-                                    </p:set>
-                                  </p:childTnLst>
-                                </p:cTn>
-                              </p:par>
-                            </p:childTnLst>
-                          </p:cTn>
-                        </p:par>
-                      </p:childTnLst>
-                    </p:cTn>
-                  </p:par>
-                  <p:par>
-                    <p:cTn id="59" fill="hold">
-                      <p:stCondLst>
-                        <p:cond delay="indefinite"/>
-                      </p:stCondLst>
-                      <p:childTnLst>
-                        <p:par>
-                          <p:cTn id="60" fill="hold">
-                            <p:stCondLst>
-                              <p:cond delay="0"/>
-                            </p:stCondLst>
-                            <p:childTnLst>
-                              <p:par>
-                                <p:cTn id="61" presetID="1" presetClass="entr" presetSubtype="0" fill="hold" nodeType="clickEffect">
-                                  <p:stCondLst>
-                                    <p:cond delay="0"/>
-                                  </p:stCondLst>
-                                  <p:childTnLst>
-                                    <p:set>
-                                      <p:cBhvr>
-                                        <p:cTn id="62" dur="1" fill="hold">
-                                          <p:stCondLst>
-                                            <p:cond delay="0"/>
-                                          </p:stCondLst>
-                                        </p:cTn>
-                                        <p:tgtEl>
-                                          <p:spTgt spid="2060"/>
-                                        </p:tgtEl>
-                                        <p:attrNameLst>
-                                          <p:attrName>style.visibility</p:attrName>
-                                        </p:attrNameLst>
-                                      </p:cBhvr>
-                                      <p:to>
-                                        <p:strVal val="visible"/>
-                                      </p:to>
-                                    </p:set>
-                                  </p:childTnLst>
-                                </p:cTn>
-                              </p:par>
-                            </p:childTnLst>
-                          </p:cTn>
-                        </p:par>
-                      </p:childTnLst>
-                    </p:cTn>
-                  </p:par>
-                  <p:par>
-                    <p:cTn id="63" fill="hold">
-                      <p:stCondLst>
-                        <p:cond delay="indefinite"/>
-                      </p:stCondLst>
-                      <p:childTnLst>
-                        <p:par>
-                          <p:cTn id="64" fill="hold">
-                            <p:stCondLst>
-                              <p:cond delay="0"/>
-                            </p:stCondLst>
-                            <p:childTnLst>
-                              <p:par>
-                                <p:cTn id="65" presetID="1" presetClass="entr" presetSubtype="0" fill="hold" nodeType="clickEffect">
-                                  <p:stCondLst>
-                                    <p:cond delay="0"/>
-                                  </p:stCondLst>
-                                  <p:childTnLst>
-                                    <p:set>
-                                      <p:cBhvr>
-                                        <p:cTn id="66" dur="1" fill="hold">
-                                          <p:stCondLst>
-                                            <p:cond delay="0"/>
-                                          </p:stCondLst>
-                                        </p:cTn>
-                                        <p:tgtEl>
-                                          <p:spTgt spid="2061"/>
-                                        </p:tgtEl>
-                                        <p:attrNameLst>
-                                          <p:attrName>style.visibility</p:attrName>
-                                        </p:attrNameLst>
-                                      </p:cBhvr>
-                                      <p:to>
-                                        <p:strVal val="visible"/>
-                                      </p:to>
-                                    </p:set>
-                                  </p:childTnLst>
-                                </p:cTn>
-                              </p:par>
-                            </p:childTnLst>
-                          </p:cTn>
-                        </p:par>
-                      </p:childTnLst>
-                    </p:cTn>
-                  </p:par>
-                  <p:par>
-                    <p:cTn id="67" fill="hold">
-                      <p:stCondLst>
-                        <p:cond delay="indefinite"/>
-                      </p:stCondLst>
-                      <p:childTnLst>
-                        <p:par>
-                          <p:cTn id="68" fill="hold">
-                            <p:stCondLst>
-                              <p:cond delay="0"/>
-                            </p:stCondLst>
-                            <p:childTnLst>
-                              <p:par>
-                                <p:cTn id="69" presetID="1" presetClass="entr" presetSubtype="0" fill="hold" nodeType="clickEffect">
-                                  <p:stCondLst>
-                                    <p:cond delay="0"/>
-                                  </p:stCondLst>
-                                  <p:childTnLst>
-                                    <p:set>
-                                      <p:cBhvr>
-                                        <p:cTn id="70" dur="1" fill="hold">
-                                          <p:stCondLst>
-                                            <p:cond delay="0"/>
-                                          </p:stCondLst>
-                                        </p:cTn>
-                                        <p:tgtEl>
-                                          <p:spTgt spid="2062"/>
-                                        </p:tgtEl>
-                                        <p:attrNameLst>
-                                          <p:attrName>style.visibility</p:attrName>
-                                        </p:attrNameLst>
-                                      </p:cBhvr>
-                                      <p:to>
-                                        <p:strVal val="visible"/>
-                                      </p:to>
-                                    </p:set>
-                                  </p:childTnLst>
-                                </p:cTn>
-                              </p:par>
-                            </p:childTnLst>
-                          </p:cTn>
-                        </p:par>
-                      </p:childTnLst>
-                    </p:cTn>
-                  </p:par>
-                  <p:par>
-                    <p:cTn id="71" fill="hold">
-                      <p:stCondLst>
-                        <p:cond delay="indefinite"/>
-                      </p:stCondLst>
-                      <p:childTnLst>
-                        <p:par>
-                          <p:cTn id="72" fill="hold">
-                            <p:stCondLst>
-                              <p:cond delay="0"/>
-                            </p:stCondLst>
-                            <p:childTnLst>
-                              <p:par>
-                                <p:cTn id="73" presetID="1" presetClass="entr" presetSubtype="0" fill="hold" nodeType="clickEffect">
-                                  <p:stCondLst>
-                                    <p:cond delay="0"/>
-                                  </p:stCondLst>
-                                  <p:childTnLst>
-                                    <p:set>
-                                      <p:cBhvr>
-                                        <p:cTn id="74" dur="1" fill="hold">
-                                          <p:stCondLst>
-                                            <p:cond delay="0"/>
-                                          </p:stCondLst>
-                                        </p:cTn>
-                                        <p:tgtEl>
-                                          <p:spTgt spid="2063"/>
-                                        </p:tgtEl>
-                                        <p:attrNameLst>
-                                          <p:attrName>style.visibility</p:attrName>
-                                        </p:attrNameLst>
-                                      </p:cBhvr>
-                                      <p:to>
-                                        <p:strVal val="visible"/>
-                                      </p:to>
-                                    </p:set>
-                                  </p:childTnLst>
-                                </p:cTn>
-                              </p:par>
-                            </p:childTnLst>
-                          </p:cTn>
-                        </p:par>
-                      </p:childTnLst>
-                    </p:cTn>
-                  </p:par>
-                  <p:par>
-                    <p:cTn id="75" fill="hold">
-                      <p:stCondLst>
-                        <p:cond delay="indefinite"/>
-                      </p:stCondLst>
-                      <p:childTnLst>
-                        <p:par>
-                          <p:cTn id="76" fill="hold">
-                            <p:stCondLst>
-                              <p:cond delay="0"/>
-                            </p:stCondLst>
-                            <p:childTnLst>
-                              <p:par>
-                                <p:cTn id="77" presetID="1" presetClass="entr" presetSubtype="0" fill="hold" nodeType="clickEffect">
-                                  <p:stCondLst>
-                                    <p:cond delay="0"/>
-                                  </p:stCondLst>
-                                  <p:childTnLst>
-                                    <p:set>
-                                      <p:cBhvr>
-                                        <p:cTn id="78" dur="1" fill="hold">
-                                          <p:stCondLst>
-                                            <p:cond delay="0"/>
-                                          </p:stCondLst>
-                                        </p:cTn>
-                                        <p:tgtEl>
-                                          <p:spTgt spid="2064"/>
-                                        </p:tgtEl>
-                                        <p:attrNameLst>
-                                          <p:attrName>style.visibility</p:attrName>
-                                        </p:attrNameLst>
-                                      </p:cBhvr>
-                                      <p:to>
-                                        <p:strVal val="visible"/>
-                                      </p:to>
-                                    </p:set>
-                                  </p:childTnLst>
-                                </p:cTn>
-                              </p:par>
-                            </p:childTnLst>
-                          </p:cTn>
-                        </p:par>
-                      </p:childTnLst>
-                    </p:cTn>
-                  </p:par>
-                  <p:par>
-                    <p:cTn id="79" fill="hold">
-                      <p:stCondLst>
-                        <p:cond delay="indefinite"/>
-                      </p:stCondLst>
-                      <p:childTnLst>
-                        <p:par>
-                          <p:cTn id="80" fill="hold">
-                            <p:stCondLst>
-                              <p:cond delay="0"/>
-                            </p:stCondLst>
-                            <p:childTnLst>
-                              <p:par>
-                                <p:cTn id="81" presetID="1" presetClass="entr" presetSubtype="0" fill="hold" nodeType="clickEffect">
-                                  <p:stCondLst>
-                                    <p:cond delay="0"/>
-                                  </p:stCondLst>
-                                  <p:childTnLst>
-                                    <p:set>
-                                      <p:cBhvr>
-                                        <p:cTn id="82" dur="1" fill="hold">
-                                          <p:stCondLst>
-                                            <p:cond delay="0"/>
-                                          </p:stCondLst>
-                                        </p:cTn>
-                                        <p:tgtEl>
-                                          <p:spTgt spid="2065"/>
-                                        </p:tgtEl>
-                                        <p:attrNameLst>
-                                          <p:attrName>style.visibility</p:attrName>
-                                        </p:attrNameLst>
-                                      </p:cBhvr>
-                                      <p:to>
-                                        <p:strVal val="visible"/>
-                                      </p:to>
-                                    </p:set>
-                                  </p:childTnLst>
-                                </p:cTn>
-                              </p:par>
-                            </p:childTnLst>
-                          </p:cTn>
-                        </p:par>
-                      </p:childTnLst>
-                    </p:cTn>
-                  </p:par>
-                  <p:par>
-                    <p:cTn id="83" fill="hold">
-                      <p:stCondLst>
-                        <p:cond delay="indefinite"/>
-                      </p:stCondLst>
-                      <p:childTnLst>
-                        <p:par>
-                          <p:cTn id="84" fill="hold">
-                            <p:stCondLst>
-                              <p:cond delay="0"/>
-                            </p:stCondLst>
-                            <p:childTnLst>
-                              <p:par>
-                                <p:cTn id="85" presetID="1" presetClass="entr" presetSubtype="0" fill="hold" nodeType="clickEffect">
-                                  <p:stCondLst>
-                                    <p:cond delay="0"/>
-                                  </p:stCondLst>
-                                  <p:childTnLst>
-                                    <p:set>
-                                      <p:cBhvr>
-                                        <p:cTn id="86" dur="1" fill="hold">
-                                          <p:stCondLst>
-                                            <p:cond delay="0"/>
-                                          </p:stCondLst>
-                                        </p:cTn>
-                                        <p:tgtEl>
-                                          <p:spTgt spid="2066"/>
-                                        </p:tgtEl>
-                                        <p:attrNameLst>
-                                          <p:attrName>style.visibility</p:attrName>
-                                        </p:attrNameLst>
-                                      </p:cBhvr>
-                                      <p:to>
-                                        <p:strVal val="visible"/>
-                                      </p:to>
-                                    </p:set>
-                                  </p:childTnLst>
-                                </p:cTn>
-                              </p:par>
-                            </p:childTnLst>
-                          </p:cTn>
-                        </p:par>
-                      </p:childTnLst>
-                    </p:cTn>
-                  </p:par>
-                  <p:par>
-                    <p:cTn id="87" fill="hold">
-                      <p:stCondLst>
-                        <p:cond delay="indefinite"/>
-                      </p:stCondLst>
-                      <p:childTnLst>
-                        <p:par>
-                          <p:cTn id="88" fill="hold">
-                            <p:stCondLst>
-                              <p:cond delay="0"/>
-                            </p:stCondLst>
-                            <p:childTnLst>
-                              <p:par>
-                                <p:cTn id="89" presetID="1" presetClass="entr" presetSubtype="0" fill="hold" nodeType="clickEffect">
-                                  <p:stCondLst>
-                                    <p:cond delay="0"/>
-                                  </p:stCondLst>
-                                  <p:childTnLst>
-                                    <p:set>
-                                      <p:cBhvr>
-                                        <p:cTn id="90" dur="1" fill="hold">
-                                          <p:stCondLst>
-                                            <p:cond delay="0"/>
-                                          </p:stCondLst>
-                                        </p:cTn>
-                                        <p:tgtEl>
-                                          <p:spTgt spid="2067"/>
-                                        </p:tgtEl>
-                                        <p:attrNameLst>
-                                          <p:attrName>style.visibility</p:attrName>
-                                        </p:attrNameLst>
-                                      </p:cBhvr>
-                                      <p:to>
-                                        <p:strVal val="visible"/>
-                                      </p:to>
-                                    </p:set>
-                                  </p:childTnLst>
-                                </p:cTn>
-                              </p:par>
-                            </p:childTnLst>
-                          </p:cTn>
-                        </p:par>
-                      </p:childTnLst>
-                    </p:cTn>
-                  </p:par>
-                  <p:par>
-                    <p:cTn id="91" fill="hold">
-                      <p:stCondLst>
-                        <p:cond delay="indefinite"/>
-                      </p:stCondLst>
-                      <p:childTnLst>
-                        <p:par>
-                          <p:cTn id="92" fill="hold">
-                            <p:stCondLst>
-                              <p:cond delay="0"/>
-                            </p:stCondLst>
-                            <p:childTnLst>
-                              <p:par>
-                                <p:cTn id="93" presetID="1" presetClass="entr" presetSubtype="0" fill="hold" nodeType="clickEffect">
-                                  <p:stCondLst>
-                                    <p:cond delay="0"/>
-                                  </p:stCondLst>
-                                  <p:childTnLst>
-                                    <p:set>
-                                      <p:cBhvr>
-                                        <p:cTn id="94" dur="1" fill="hold">
-                                          <p:stCondLst>
-                                            <p:cond delay="0"/>
-                                          </p:stCondLst>
-                                        </p:cTn>
-                                        <p:tgtEl>
-                                          <p:spTgt spid="2068"/>
+                                          <p:spTgt spid="4123"/>
                                         </p:tgtEl>
                                         <p:attrNameLst>
                                           <p:attrName>style.visibility</p:attrName>
@@ -14630,6 +13707,479 @@
           </a:p>
         </p:txBody>
       </p:sp>
+      <p:sp>
+        <p:nvSpPr>
+          <p:cNvPr id="29" name="직사각형 28"/>
+          <p:cNvSpPr/>
+          <p:nvPr/>
+        </p:nvSpPr>
+        <p:spPr>
+          <a:xfrm>
+            <a:off x="749301" y="2067617"/>
+            <a:ext cx="995838" cy="529525"/>
+          </a:xfrm>
+          <a:prstGeom prst="rect">
+            <a:avLst/>
+          </a:prstGeom>
+          <a:solidFill>
+            <a:srgbClr val="9CB7CA"/>
+          </a:solidFill>
+          <a:ln>
+            <a:noFill/>
+          </a:ln>
+        </p:spPr>
+        <p:style>
+          <a:lnRef idx="2">
+            <a:schemeClr val="accent1">
+              <a:shade val="50000"/>
+            </a:schemeClr>
+          </a:lnRef>
+          <a:fillRef idx="1">
+            <a:schemeClr val="accent1"/>
+          </a:fillRef>
+          <a:effectRef idx="0">
+            <a:schemeClr val="accent1"/>
+          </a:effectRef>
+          <a:fontRef idx="minor">
+            <a:schemeClr val="lt1"/>
+          </a:fontRef>
+        </p:style>
+        <p:txBody>
+          <a:bodyPr rtlCol="0" anchor="ctr"/>
+          <a:lstStyle/>
+          <a:p>
+            <a:pPr algn="ctr"/>
+            <a:r>
+              <a:rPr lang="ko-KR" altLang="en-US" b="1" dirty="0" smtClean="0">
+                <a:solidFill>
+                  <a:srgbClr val="446681"/>
+                </a:solidFill>
+              </a:rPr>
+              <a:t>대학생</a:t>
+            </a:r>
+            <a:endParaRPr lang="ko-KR" altLang="en-US" b="1" dirty="0">
+              <a:solidFill>
+                <a:srgbClr val="446681"/>
+              </a:solidFill>
+            </a:endParaRPr>
+          </a:p>
+        </p:txBody>
+      </p:sp>
+      <p:pic>
+        <p:nvPicPr>
+          <p:cNvPr id="1026" name="Picture 2" descr="C:\Users\user\Downloads\사진과 설명\청년\1. 동의서.png"/>
+          <p:cNvPicPr>
+            <a:picLocks noChangeAspect="1" noChangeArrowheads="1"/>
+          </p:cNvPicPr>
+          <p:nvPr/>
+        </p:nvPicPr>
+        <p:blipFill>
+          <a:blip r:embed="rId3">
+            <a:extLst>
+              <a:ext uri="{28A0092B-C50C-407E-A947-70E740481C1C}">
+                <a14:useLocalDpi xmlns:a14="http://schemas.microsoft.com/office/drawing/2010/main" val="0"/>
+              </a:ext>
+            </a:extLst>
+          </a:blip>
+          <a:srcRect/>
+          <a:stretch>
+            <a:fillRect/>
+          </a:stretch>
+        </p:blipFill>
+        <p:spPr bwMode="auto">
+          <a:xfrm>
+            <a:off x="1745139" y="2067617"/>
+            <a:ext cx="2520000" cy="4200000"/>
+          </a:xfrm>
+          <a:prstGeom prst="rect">
+            <a:avLst/>
+          </a:prstGeom>
+          <a:noFill/>
+          <a:extLst>
+            <a:ext uri="{909E8E84-426E-40DD-AFC4-6F175D3DCCD1}">
+              <a14:hiddenFill xmlns:a14="http://schemas.microsoft.com/office/drawing/2010/main">
+                <a:solidFill>
+                  <a:srgbClr val="FFFFFF"/>
+                </a:solidFill>
+              </a14:hiddenFill>
+            </a:ext>
+          </a:extLst>
+        </p:spPr>
+      </p:pic>
+      <p:pic>
+        <p:nvPicPr>
+          <p:cNvPr id="1027" name="Picture 3" descr="C:\Users\user\Downloads\사진과 설명\청년\2. 기본정보.png"/>
+          <p:cNvPicPr>
+            <a:picLocks noChangeAspect="1" noChangeArrowheads="1"/>
+          </p:cNvPicPr>
+          <p:nvPr/>
+        </p:nvPicPr>
+        <p:blipFill>
+          <a:blip r:embed="rId4">
+            <a:extLst>
+              <a:ext uri="{28A0092B-C50C-407E-A947-70E740481C1C}">
+                <a14:useLocalDpi xmlns:a14="http://schemas.microsoft.com/office/drawing/2010/main" val="0"/>
+              </a:ext>
+            </a:extLst>
+          </a:blip>
+          <a:srcRect/>
+          <a:stretch>
+            <a:fillRect/>
+          </a:stretch>
+        </p:blipFill>
+        <p:spPr bwMode="auto">
+          <a:xfrm>
+            <a:off x="1745139" y="2067617"/>
+            <a:ext cx="2520000" cy="4200000"/>
+          </a:xfrm>
+          <a:prstGeom prst="rect">
+            <a:avLst/>
+          </a:prstGeom>
+          <a:noFill/>
+          <a:extLst>
+            <a:ext uri="{909E8E84-426E-40DD-AFC4-6F175D3DCCD1}">
+              <a14:hiddenFill xmlns:a14="http://schemas.microsoft.com/office/drawing/2010/main">
+                <a:solidFill>
+                  <a:srgbClr val="FFFFFF"/>
+                </a:solidFill>
+              </a14:hiddenFill>
+            </a:ext>
+          </a:extLst>
+        </p:spPr>
+      </p:pic>
+      <p:pic>
+        <p:nvPicPr>
+          <p:cNvPr id="1028" name="Picture 4" descr="C:\Users\user\Downloads\사진과 설명\청년\3. 이메일 입력.png"/>
+          <p:cNvPicPr>
+            <a:picLocks noChangeAspect="1" noChangeArrowheads="1"/>
+          </p:cNvPicPr>
+          <p:nvPr/>
+        </p:nvPicPr>
+        <p:blipFill>
+          <a:blip r:embed="rId5">
+            <a:extLst>
+              <a:ext uri="{28A0092B-C50C-407E-A947-70E740481C1C}">
+                <a14:useLocalDpi xmlns:a14="http://schemas.microsoft.com/office/drawing/2010/main" val="0"/>
+              </a:ext>
+            </a:extLst>
+          </a:blip>
+          <a:srcRect/>
+          <a:stretch>
+            <a:fillRect/>
+          </a:stretch>
+        </p:blipFill>
+        <p:spPr bwMode="auto">
+          <a:xfrm>
+            <a:off x="1745139" y="2067617"/>
+            <a:ext cx="2520000" cy="4200000"/>
+          </a:xfrm>
+          <a:prstGeom prst="rect">
+            <a:avLst/>
+          </a:prstGeom>
+          <a:noFill/>
+          <a:extLst>
+            <a:ext uri="{909E8E84-426E-40DD-AFC4-6F175D3DCCD1}">
+              <a14:hiddenFill xmlns:a14="http://schemas.microsoft.com/office/drawing/2010/main">
+                <a:solidFill>
+                  <a:srgbClr val="FFFFFF"/>
+                </a:solidFill>
+              </a14:hiddenFill>
+            </a:ext>
+          </a:extLst>
+        </p:spPr>
+      </p:pic>
+      <p:pic>
+        <p:nvPicPr>
+          <p:cNvPr id="1029" name="Picture 5" descr="C:\Users\user\Downloads\사진과 설명\청년\4. 이메일 팝업.png"/>
+          <p:cNvPicPr>
+            <a:picLocks noChangeAspect="1" noChangeArrowheads="1"/>
+          </p:cNvPicPr>
+          <p:nvPr/>
+        </p:nvPicPr>
+        <p:blipFill>
+          <a:blip r:embed="rId6">
+            <a:extLst>
+              <a:ext uri="{28A0092B-C50C-407E-A947-70E740481C1C}">
+                <a14:useLocalDpi xmlns:a14="http://schemas.microsoft.com/office/drawing/2010/main" val="0"/>
+              </a:ext>
+            </a:extLst>
+          </a:blip>
+          <a:srcRect/>
+          <a:stretch>
+            <a:fillRect/>
+          </a:stretch>
+        </p:blipFill>
+        <p:spPr bwMode="auto">
+          <a:xfrm>
+            <a:off x="1745139" y="2067617"/>
+            <a:ext cx="2520000" cy="4200000"/>
+          </a:xfrm>
+          <a:prstGeom prst="rect">
+            <a:avLst/>
+          </a:prstGeom>
+          <a:noFill/>
+          <a:extLst>
+            <a:ext uri="{909E8E84-426E-40DD-AFC4-6F175D3DCCD1}">
+              <a14:hiddenFill xmlns:a14="http://schemas.microsoft.com/office/drawing/2010/main">
+                <a:solidFill>
+                  <a:srgbClr val="FFFFFF"/>
+                </a:solidFill>
+              </a14:hiddenFill>
+            </a:ext>
+          </a:extLst>
+        </p:spPr>
+      </p:pic>
+      <p:pic>
+        <p:nvPicPr>
+          <p:cNvPr id="1030" name="Picture 6" descr="C:\Users\user\Downloads\사진과 설명\청년\5. 이메일 전송됨.JPG"/>
+          <p:cNvPicPr>
+            <a:picLocks noChangeAspect="1" noChangeArrowheads="1"/>
+          </p:cNvPicPr>
+          <p:nvPr/>
+        </p:nvPicPr>
+        <p:blipFill>
+          <a:blip r:embed="rId7">
+            <a:extLst>
+              <a:ext uri="{28A0092B-C50C-407E-A947-70E740481C1C}">
+                <a14:useLocalDpi xmlns:a14="http://schemas.microsoft.com/office/drawing/2010/main" val="0"/>
+              </a:ext>
+            </a:extLst>
+          </a:blip>
+          <a:srcRect/>
+          <a:stretch>
+            <a:fillRect/>
+          </a:stretch>
+        </p:blipFill>
+        <p:spPr bwMode="auto">
+          <a:xfrm>
+            <a:off x="5573043" y="3462877"/>
+            <a:ext cx="2340000" cy="990490"/>
+          </a:xfrm>
+          <a:prstGeom prst="rect">
+            <a:avLst/>
+          </a:prstGeom>
+          <a:noFill/>
+          <a:ln w="25400">
+            <a:solidFill>
+              <a:srgbClr val="F55344"/>
+            </a:solidFill>
+          </a:ln>
+          <a:extLst>
+            <a:ext uri="{909E8E84-426E-40DD-AFC4-6F175D3DCCD1}">
+              <a14:hiddenFill xmlns:a14="http://schemas.microsoft.com/office/drawing/2010/main">
+                <a:solidFill>
+                  <a:srgbClr val="FFFFFF"/>
+                </a:solidFill>
+              </a14:hiddenFill>
+            </a:ext>
+          </a:extLst>
+        </p:spPr>
+      </p:pic>
+      <p:pic>
+        <p:nvPicPr>
+          <p:cNvPr id="1031" name="Picture 7" descr="C:\Users\user\Downloads\사진과 설명\청년\6. 코드 입력.png"/>
+          <p:cNvPicPr>
+            <a:picLocks noChangeAspect="1" noChangeArrowheads="1"/>
+          </p:cNvPicPr>
+          <p:nvPr/>
+        </p:nvPicPr>
+        <p:blipFill>
+          <a:blip r:embed="rId8">
+            <a:extLst>
+              <a:ext uri="{28A0092B-C50C-407E-A947-70E740481C1C}">
+                <a14:useLocalDpi xmlns:a14="http://schemas.microsoft.com/office/drawing/2010/main" val="0"/>
+              </a:ext>
+            </a:extLst>
+          </a:blip>
+          <a:srcRect/>
+          <a:stretch>
+            <a:fillRect/>
+          </a:stretch>
+        </p:blipFill>
+        <p:spPr bwMode="auto">
+          <a:xfrm>
+            <a:off x="1745139" y="2067617"/>
+            <a:ext cx="2520000" cy="4200000"/>
+          </a:xfrm>
+          <a:prstGeom prst="rect">
+            <a:avLst/>
+          </a:prstGeom>
+          <a:noFill/>
+          <a:extLst>
+            <a:ext uri="{909E8E84-426E-40DD-AFC4-6F175D3DCCD1}">
+              <a14:hiddenFill xmlns:a14="http://schemas.microsoft.com/office/drawing/2010/main">
+                <a:solidFill>
+                  <a:srgbClr val="FFFFFF"/>
+                </a:solidFill>
+              </a14:hiddenFill>
+            </a:ext>
+          </a:extLst>
+        </p:spPr>
+      </p:pic>
+      <p:pic>
+        <p:nvPicPr>
+          <p:cNvPr id="1032" name="Picture 8" descr="C:\Users\user\Downloads\사진과 설명\청년\7. 인증완료.png"/>
+          <p:cNvPicPr>
+            <a:picLocks noChangeAspect="1" noChangeArrowheads="1"/>
+          </p:cNvPicPr>
+          <p:nvPr/>
+        </p:nvPicPr>
+        <p:blipFill>
+          <a:blip r:embed="rId9">
+            <a:extLst>
+              <a:ext uri="{28A0092B-C50C-407E-A947-70E740481C1C}">
+                <a14:useLocalDpi xmlns:a14="http://schemas.microsoft.com/office/drawing/2010/main" val="0"/>
+              </a:ext>
+            </a:extLst>
+          </a:blip>
+          <a:srcRect/>
+          <a:stretch>
+            <a:fillRect/>
+          </a:stretch>
+        </p:blipFill>
+        <p:spPr bwMode="auto">
+          <a:xfrm>
+            <a:off x="1745139" y="2067617"/>
+            <a:ext cx="2520000" cy="4200000"/>
+          </a:xfrm>
+          <a:prstGeom prst="rect">
+            <a:avLst/>
+          </a:prstGeom>
+          <a:noFill/>
+          <a:extLst>
+            <a:ext uri="{909E8E84-426E-40DD-AFC4-6F175D3DCCD1}">
+              <a14:hiddenFill xmlns:a14="http://schemas.microsoft.com/office/drawing/2010/main">
+                <a:solidFill>
+                  <a:srgbClr val="FFFFFF"/>
+                </a:solidFill>
+              </a14:hiddenFill>
+            </a:ext>
+          </a:extLst>
+        </p:spPr>
+      </p:pic>
+      <p:pic>
+        <p:nvPicPr>
+          <p:cNvPr id="1033" name="Picture 9" descr="C:\Users\user\Downloads\사진과 설명\청년\8. 신분증 제출.png"/>
+          <p:cNvPicPr>
+            <a:picLocks noChangeAspect="1" noChangeArrowheads="1"/>
+          </p:cNvPicPr>
+          <p:nvPr/>
+        </p:nvPicPr>
+        <p:blipFill>
+          <a:blip r:embed="rId10">
+            <a:extLst>
+              <a:ext uri="{28A0092B-C50C-407E-A947-70E740481C1C}">
+                <a14:useLocalDpi xmlns:a14="http://schemas.microsoft.com/office/drawing/2010/main" val="0"/>
+              </a:ext>
+            </a:extLst>
+          </a:blip>
+          <a:srcRect/>
+          <a:stretch>
+            <a:fillRect/>
+          </a:stretch>
+        </p:blipFill>
+        <p:spPr bwMode="auto">
+          <a:xfrm>
+            <a:off x="1745139" y="2067617"/>
+            <a:ext cx="2520000" cy="4200000"/>
+          </a:xfrm>
+          <a:prstGeom prst="rect">
+            <a:avLst/>
+          </a:prstGeom>
+          <a:noFill/>
+          <a:extLst>
+            <a:ext uri="{909E8E84-426E-40DD-AFC4-6F175D3DCCD1}">
+              <a14:hiddenFill xmlns:a14="http://schemas.microsoft.com/office/drawing/2010/main">
+                <a:solidFill>
+                  <a:srgbClr val="FFFFFF"/>
+                </a:solidFill>
+              </a14:hiddenFill>
+            </a:ext>
+          </a:extLst>
+        </p:spPr>
+      </p:pic>
+      <p:pic>
+        <p:nvPicPr>
+          <p:cNvPr id="1034" name="Picture 10" descr="C:\Users\user\Downloads\사진과 설명\청년\9. 로그인 기입.png"/>
+          <p:cNvPicPr>
+            <a:picLocks noChangeAspect="1" noChangeArrowheads="1"/>
+          </p:cNvPicPr>
+          <p:nvPr/>
+        </p:nvPicPr>
+        <p:blipFill>
+          <a:blip r:embed="rId11">
+            <a:extLst>
+              <a:ext uri="{28A0092B-C50C-407E-A947-70E740481C1C}">
+                <a14:useLocalDpi xmlns:a14="http://schemas.microsoft.com/office/drawing/2010/main" val="0"/>
+              </a:ext>
+            </a:extLst>
+          </a:blip>
+          <a:srcRect/>
+          <a:stretch>
+            <a:fillRect/>
+          </a:stretch>
+        </p:blipFill>
+        <p:spPr bwMode="auto">
+          <a:xfrm>
+            <a:off x="1745139" y="2067617"/>
+            <a:ext cx="2520000" cy="4200000"/>
+          </a:xfrm>
+          <a:prstGeom prst="rect">
+            <a:avLst/>
+          </a:prstGeom>
+          <a:noFill/>
+          <a:extLst>
+            <a:ext uri="{909E8E84-426E-40DD-AFC4-6F175D3DCCD1}">
+              <a14:hiddenFill xmlns:a14="http://schemas.microsoft.com/office/drawing/2010/main">
+                <a:solidFill>
+                  <a:srgbClr val="FFFFFF"/>
+                </a:solidFill>
+              </a14:hiddenFill>
+            </a:ext>
+          </a:extLst>
+        </p:spPr>
+      </p:pic>
+      <p:pic>
+        <p:nvPicPr>
+          <p:cNvPr id="1035" name="Picture 11" descr="C:\Users\user\Downloads\사진과 설명\청년\10. DB연결통해 로그인.png"/>
+          <p:cNvPicPr>
+            <a:picLocks noChangeAspect="1" noChangeArrowheads="1"/>
+          </p:cNvPicPr>
+          <p:nvPr/>
+        </p:nvPicPr>
+        <p:blipFill>
+          <a:blip r:embed="rId12">
+            <a:extLst>
+              <a:ext uri="{28A0092B-C50C-407E-A947-70E740481C1C}">
+                <a14:useLocalDpi xmlns:a14="http://schemas.microsoft.com/office/drawing/2010/main" val="0"/>
+              </a:ext>
+            </a:extLst>
+          </a:blip>
+          <a:srcRect/>
+          <a:stretch>
+            <a:fillRect/>
+          </a:stretch>
+        </p:blipFill>
+        <p:spPr bwMode="auto">
+          <a:xfrm>
+            <a:off x="1745139" y="2067617"/>
+            <a:ext cx="2520000" cy="4200000"/>
+          </a:xfrm>
+          <a:prstGeom prst="rect">
+            <a:avLst/>
+          </a:prstGeom>
+          <a:noFill/>
+          <a:extLst>
+            <a:ext uri="{909E8E84-426E-40DD-AFC4-6F175D3DCCD1}">
+              <a14:hiddenFill xmlns:a14="http://schemas.microsoft.com/office/drawing/2010/main">
+                <a:solidFill>
+                  <a:srgbClr val="FFFFFF"/>
+                </a:solidFill>
+              </a14:hiddenFill>
+            </a:ext>
+          </a:extLst>
+        </p:spPr>
+      </p:pic>
     </p:spTree>
     <p:extLst>
       <p:ext uri="{BB962C8B-B14F-4D97-AF65-F5344CB8AC3E}">
@@ -14646,7 +14196,480 @@
   <p:timing>
     <p:tnLst>
       <p:par>
-        <p:cTn id="1" dur="indefinite" restart="never" nodeType="tmRoot"/>
+        <p:cTn id="1" dur="indefinite" restart="never" nodeType="tmRoot">
+          <p:childTnLst>
+            <p:seq concurrent="1" nextAc="seek">
+              <p:cTn id="2" dur="indefinite" nodeType="mainSeq">
+                <p:childTnLst>
+                  <p:par>
+                    <p:cTn id="3" fill="hold">
+                      <p:stCondLst>
+                        <p:cond delay="indefinite"/>
+                      </p:stCondLst>
+                      <p:childTnLst>
+                        <p:par>
+                          <p:cTn id="4" fill="hold">
+                            <p:stCondLst>
+                              <p:cond delay="0"/>
+                            </p:stCondLst>
+                            <p:childTnLst>
+                              <p:par>
+                                <p:cTn id="5" presetID="1" presetClass="entr" presetSubtype="0" fill="hold" nodeType="clickEffect">
+                                  <p:stCondLst>
+                                    <p:cond delay="0"/>
+                                  </p:stCondLst>
+                                  <p:childTnLst>
+                                    <p:set>
+                                      <p:cBhvr>
+                                        <p:cTn id="6" dur="1" fill="hold">
+                                          <p:stCondLst>
+                                            <p:cond delay="0"/>
+                                          </p:stCondLst>
+                                        </p:cTn>
+                                        <p:tgtEl>
+                                          <p:spTgt spid="1026"/>
+                                        </p:tgtEl>
+                                        <p:attrNameLst>
+                                          <p:attrName>style.visibility</p:attrName>
+                                        </p:attrNameLst>
+                                      </p:cBhvr>
+                                      <p:to>
+                                        <p:strVal val="visible"/>
+                                      </p:to>
+                                    </p:set>
+                                  </p:childTnLst>
+                                </p:cTn>
+                              </p:par>
+                            </p:childTnLst>
+                          </p:cTn>
+                        </p:par>
+                      </p:childTnLst>
+                    </p:cTn>
+                  </p:par>
+                  <p:par>
+                    <p:cTn id="7" fill="hold">
+                      <p:stCondLst>
+                        <p:cond delay="indefinite"/>
+                      </p:stCondLst>
+                      <p:childTnLst>
+                        <p:par>
+                          <p:cTn id="8" fill="hold">
+                            <p:stCondLst>
+                              <p:cond delay="0"/>
+                            </p:stCondLst>
+                            <p:childTnLst>
+                              <p:par>
+                                <p:cTn id="9" presetID="1" presetClass="entr" presetSubtype="0" fill="hold" nodeType="clickEffect">
+                                  <p:stCondLst>
+                                    <p:cond delay="0"/>
+                                  </p:stCondLst>
+                                  <p:childTnLst>
+                                    <p:set>
+                                      <p:cBhvr>
+                                        <p:cTn id="10" dur="1" fill="hold">
+                                          <p:stCondLst>
+                                            <p:cond delay="0"/>
+                                          </p:stCondLst>
+                                        </p:cTn>
+                                        <p:tgtEl>
+                                          <p:spTgt spid="1027"/>
+                                        </p:tgtEl>
+                                        <p:attrNameLst>
+                                          <p:attrName>style.visibility</p:attrName>
+                                        </p:attrNameLst>
+                                      </p:cBhvr>
+                                      <p:to>
+                                        <p:strVal val="visible"/>
+                                      </p:to>
+                                    </p:set>
+                                  </p:childTnLst>
+                                </p:cTn>
+                              </p:par>
+                            </p:childTnLst>
+                          </p:cTn>
+                        </p:par>
+                      </p:childTnLst>
+                    </p:cTn>
+                  </p:par>
+                  <p:par>
+                    <p:cTn id="11" fill="hold">
+                      <p:stCondLst>
+                        <p:cond delay="indefinite"/>
+                      </p:stCondLst>
+                      <p:childTnLst>
+                        <p:par>
+                          <p:cTn id="12" fill="hold">
+                            <p:stCondLst>
+                              <p:cond delay="0"/>
+                            </p:stCondLst>
+                            <p:childTnLst>
+                              <p:par>
+                                <p:cTn id="13" presetID="1" presetClass="entr" presetSubtype="0" fill="hold" nodeType="clickEffect">
+                                  <p:stCondLst>
+                                    <p:cond delay="0"/>
+                                  </p:stCondLst>
+                                  <p:childTnLst>
+                                    <p:set>
+                                      <p:cBhvr>
+                                        <p:cTn id="14" dur="1" fill="hold">
+                                          <p:stCondLst>
+                                            <p:cond delay="0"/>
+                                          </p:stCondLst>
+                                        </p:cTn>
+                                        <p:tgtEl>
+                                          <p:spTgt spid="1028"/>
+                                        </p:tgtEl>
+                                        <p:attrNameLst>
+                                          <p:attrName>style.visibility</p:attrName>
+                                        </p:attrNameLst>
+                                      </p:cBhvr>
+                                      <p:to>
+                                        <p:strVal val="visible"/>
+                                      </p:to>
+                                    </p:set>
+                                  </p:childTnLst>
+                                </p:cTn>
+                              </p:par>
+                            </p:childTnLst>
+                          </p:cTn>
+                        </p:par>
+                      </p:childTnLst>
+                    </p:cTn>
+                  </p:par>
+                  <p:par>
+                    <p:cTn id="15" fill="hold">
+                      <p:stCondLst>
+                        <p:cond delay="indefinite"/>
+                      </p:stCondLst>
+                      <p:childTnLst>
+                        <p:par>
+                          <p:cTn id="16" fill="hold">
+                            <p:stCondLst>
+                              <p:cond delay="0"/>
+                            </p:stCondLst>
+                            <p:childTnLst>
+                              <p:par>
+                                <p:cTn id="17" presetID="1" presetClass="entr" presetSubtype="0" fill="hold" nodeType="clickEffect">
+                                  <p:stCondLst>
+                                    <p:cond delay="0"/>
+                                  </p:stCondLst>
+                                  <p:childTnLst>
+                                    <p:set>
+                                      <p:cBhvr>
+                                        <p:cTn id="18" dur="1" fill="hold">
+                                          <p:stCondLst>
+                                            <p:cond delay="0"/>
+                                          </p:stCondLst>
+                                        </p:cTn>
+                                        <p:tgtEl>
+                                          <p:spTgt spid="1029"/>
+                                        </p:tgtEl>
+                                        <p:attrNameLst>
+                                          <p:attrName>style.visibility</p:attrName>
+                                        </p:attrNameLst>
+                                      </p:cBhvr>
+                                      <p:to>
+                                        <p:strVal val="visible"/>
+                                      </p:to>
+                                    </p:set>
+                                  </p:childTnLst>
+                                </p:cTn>
+                              </p:par>
+                            </p:childTnLst>
+                          </p:cTn>
+                        </p:par>
+                      </p:childTnLst>
+                    </p:cTn>
+                  </p:par>
+                  <p:par>
+                    <p:cTn id="19" fill="hold">
+                      <p:stCondLst>
+                        <p:cond delay="indefinite"/>
+                      </p:stCondLst>
+                      <p:childTnLst>
+                        <p:par>
+                          <p:cTn id="20" fill="hold">
+                            <p:stCondLst>
+                              <p:cond delay="0"/>
+                            </p:stCondLst>
+                            <p:childTnLst>
+                              <p:par>
+                                <p:cTn id="21" presetID="1" presetClass="entr" presetSubtype="0" fill="hold" nodeType="clickEffect">
+                                  <p:stCondLst>
+                                    <p:cond delay="0"/>
+                                  </p:stCondLst>
+                                  <p:childTnLst>
+                                    <p:set>
+                                      <p:cBhvr>
+                                        <p:cTn id="22" dur="1" fill="hold">
+                                          <p:stCondLst>
+                                            <p:cond delay="0"/>
+                                          </p:stCondLst>
+                                        </p:cTn>
+                                        <p:tgtEl>
+                                          <p:spTgt spid="1030"/>
+                                        </p:tgtEl>
+                                        <p:attrNameLst>
+                                          <p:attrName>style.visibility</p:attrName>
+                                        </p:attrNameLst>
+                                      </p:cBhvr>
+                                      <p:to>
+                                        <p:strVal val="visible"/>
+                                      </p:to>
+                                    </p:set>
+                                  </p:childTnLst>
+                                </p:cTn>
+                              </p:par>
+                            </p:childTnLst>
+                          </p:cTn>
+                        </p:par>
+                      </p:childTnLst>
+                    </p:cTn>
+                  </p:par>
+                  <p:par>
+                    <p:cTn id="23" fill="hold">
+                      <p:stCondLst>
+                        <p:cond delay="indefinite"/>
+                      </p:stCondLst>
+                      <p:childTnLst>
+                        <p:par>
+                          <p:cTn id="24" fill="hold">
+                            <p:stCondLst>
+                              <p:cond delay="0"/>
+                            </p:stCondLst>
+                            <p:childTnLst>
+                              <p:par>
+                                <p:cTn id="25" presetID="1" presetClass="entr" presetSubtype="0" fill="hold" nodeType="clickEffect">
+                                  <p:stCondLst>
+                                    <p:cond delay="0"/>
+                                  </p:stCondLst>
+                                  <p:childTnLst>
+                                    <p:set>
+                                      <p:cBhvr>
+                                        <p:cTn id="26" dur="1" fill="hold">
+                                          <p:stCondLst>
+                                            <p:cond delay="0"/>
+                                          </p:stCondLst>
+                                        </p:cTn>
+                                        <p:tgtEl>
+                                          <p:spTgt spid="1031"/>
+                                        </p:tgtEl>
+                                        <p:attrNameLst>
+                                          <p:attrName>style.visibility</p:attrName>
+                                        </p:attrNameLst>
+                                      </p:cBhvr>
+                                      <p:to>
+                                        <p:strVal val="visible"/>
+                                      </p:to>
+                                    </p:set>
+                                  </p:childTnLst>
+                                </p:cTn>
+                              </p:par>
+                            </p:childTnLst>
+                          </p:cTn>
+                        </p:par>
+                      </p:childTnLst>
+                    </p:cTn>
+                  </p:par>
+                  <p:par>
+                    <p:cTn id="27" fill="hold">
+                      <p:stCondLst>
+                        <p:cond delay="indefinite"/>
+                      </p:stCondLst>
+                      <p:childTnLst>
+                        <p:par>
+                          <p:cTn id="28" fill="hold">
+                            <p:stCondLst>
+                              <p:cond delay="0"/>
+                            </p:stCondLst>
+                            <p:childTnLst>
+                              <p:par>
+                                <p:cTn id="29" presetID="1" presetClass="entr" presetSubtype="0" fill="hold" nodeType="clickEffect">
+                                  <p:stCondLst>
+                                    <p:cond delay="0"/>
+                                  </p:stCondLst>
+                                  <p:childTnLst>
+                                    <p:set>
+                                      <p:cBhvr>
+                                        <p:cTn id="30" dur="1" fill="hold">
+                                          <p:stCondLst>
+                                            <p:cond delay="0"/>
+                                          </p:stCondLst>
+                                        </p:cTn>
+                                        <p:tgtEl>
+                                          <p:spTgt spid="1032"/>
+                                        </p:tgtEl>
+                                        <p:attrNameLst>
+                                          <p:attrName>style.visibility</p:attrName>
+                                        </p:attrNameLst>
+                                      </p:cBhvr>
+                                      <p:to>
+                                        <p:strVal val="visible"/>
+                                      </p:to>
+                                    </p:set>
+                                  </p:childTnLst>
+                                </p:cTn>
+                              </p:par>
+                            </p:childTnLst>
+                          </p:cTn>
+                        </p:par>
+                      </p:childTnLst>
+                    </p:cTn>
+                  </p:par>
+                  <p:par>
+                    <p:cTn id="31" fill="hold">
+                      <p:stCondLst>
+                        <p:cond delay="indefinite"/>
+                      </p:stCondLst>
+                      <p:childTnLst>
+                        <p:par>
+                          <p:cTn id="32" fill="hold">
+                            <p:stCondLst>
+                              <p:cond delay="0"/>
+                            </p:stCondLst>
+                            <p:childTnLst>
+                              <p:par>
+                                <p:cTn id="33" presetID="1" presetClass="entr" presetSubtype="0" fill="hold" nodeType="clickEffect">
+                                  <p:stCondLst>
+                                    <p:cond delay="0"/>
+                                  </p:stCondLst>
+                                  <p:childTnLst>
+                                    <p:set>
+                                      <p:cBhvr>
+                                        <p:cTn id="34" dur="1" fill="hold">
+                                          <p:stCondLst>
+                                            <p:cond delay="0"/>
+                                          </p:stCondLst>
+                                        </p:cTn>
+                                        <p:tgtEl>
+                                          <p:spTgt spid="1033"/>
+                                        </p:tgtEl>
+                                        <p:attrNameLst>
+                                          <p:attrName>style.visibility</p:attrName>
+                                        </p:attrNameLst>
+                                      </p:cBhvr>
+                                      <p:to>
+                                        <p:strVal val="visible"/>
+                                      </p:to>
+                                    </p:set>
+                                  </p:childTnLst>
+                                </p:cTn>
+                              </p:par>
+                            </p:childTnLst>
+                          </p:cTn>
+                        </p:par>
+                      </p:childTnLst>
+                    </p:cTn>
+                  </p:par>
+                  <p:par>
+                    <p:cTn id="35" fill="hold">
+                      <p:stCondLst>
+                        <p:cond delay="indefinite"/>
+                      </p:stCondLst>
+                      <p:childTnLst>
+                        <p:par>
+                          <p:cTn id="36" fill="hold">
+                            <p:stCondLst>
+                              <p:cond delay="0"/>
+                            </p:stCondLst>
+                            <p:childTnLst>
+                              <p:par>
+                                <p:cTn id="37" presetID="1" presetClass="entr" presetSubtype="0" fill="hold" nodeType="clickEffect">
+                                  <p:stCondLst>
+                                    <p:cond delay="0"/>
+                                  </p:stCondLst>
+                                  <p:childTnLst>
+                                    <p:set>
+                                      <p:cBhvr>
+                                        <p:cTn id="38" dur="1" fill="hold">
+                                          <p:stCondLst>
+                                            <p:cond delay="0"/>
+                                          </p:stCondLst>
+                                        </p:cTn>
+                                        <p:tgtEl>
+                                          <p:spTgt spid="1034"/>
+                                        </p:tgtEl>
+                                        <p:attrNameLst>
+                                          <p:attrName>style.visibility</p:attrName>
+                                        </p:attrNameLst>
+                                      </p:cBhvr>
+                                      <p:to>
+                                        <p:strVal val="visible"/>
+                                      </p:to>
+                                    </p:set>
+                                  </p:childTnLst>
+                                </p:cTn>
+                              </p:par>
+                            </p:childTnLst>
+                          </p:cTn>
+                        </p:par>
+                      </p:childTnLst>
+                    </p:cTn>
+                  </p:par>
+                  <p:par>
+                    <p:cTn id="39" fill="hold">
+                      <p:stCondLst>
+                        <p:cond delay="indefinite"/>
+                      </p:stCondLst>
+                      <p:childTnLst>
+                        <p:par>
+                          <p:cTn id="40" fill="hold">
+                            <p:stCondLst>
+                              <p:cond delay="0"/>
+                            </p:stCondLst>
+                            <p:childTnLst>
+                              <p:par>
+                                <p:cTn id="41" presetID="1" presetClass="entr" presetSubtype="0" fill="hold" nodeType="clickEffect">
+                                  <p:stCondLst>
+                                    <p:cond delay="0"/>
+                                  </p:stCondLst>
+                                  <p:childTnLst>
+                                    <p:set>
+                                      <p:cBhvr>
+                                        <p:cTn id="42" dur="1" fill="hold">
+                                          <p:stCondLst>
+                                            <p:cond delay="0"/>
+                                          </p:stCondLst>
+                                        </p:cTn>
+                                        <p:tgtEl>
+                                          <p:spTgt spid="1035"/>
+                                        </p:tgtEl>
+                                        <p:attrNameLst>
+                                          <p:attrName>style.visibility</p:attrName>
+                                        </p:attrNameLst>
+                                      </p:cBhvr>
+                                      <p:to>
+                                        <p:strVal val="visible"/>
+                                      </p:to>
+                                    </p:set>
+                                  </p:childTnLst>
+                                </p:cTn>
+                              </p:par>
+                            </p:childTnLst>
+                          </p:cTn>
+                        </p:par>
+                      </p:childTnLst>
+                    </p:cTn>
+                  </p:par>
+                </p:childTnLst>
+              </p:cTn>
+              <p:prevCondLst>
+                <p:cond evt="onPrev" delay="0">
+                  <p:tgtEl>
+                    <p:sldTgt/>
+                  </p:tgtEl>
+                </p:cond>
+              </p:prevCondLst>
+              <p:nextCondLst>
+                <p:cond evt="onNext" delay="0">
+                  <p:tgtEl>
+                    <p:sldTgt/>
+                  </p:tgtEl>
+                </p:cond>
+              </p:nextCondLst>
+            </p:seq>
+          </p:childTnLst>
+        </p:cTn>
       </p:par>
     </p:tnLst>
   </p:timing>
@@ -15353,8 +15376,8 @@
         </p:nvSpPr>
         <p:spPr>
           <a:xfrm>
-            <a:off x="5364665" y="1912122"/>
-            <a:ext cx="2658035" cy="307777"/>
+            <a:off x="5347213" y="1741315"/>
+            <a:ext cx="3365408" cy="369332"/>
           </a:xfrm>
           <a:prstGeom prst="rect">
             <a:avLst/>
@@ -15368,12 +15391,12 @@
           <a:lstStyle/>
           <a:p>
             <a:r>
-              <a:rPr lang="en-US" altLang="ko-KR" sz="1400" dirty="0">
+              <a:rPr lang="en-US" altLang="ko-KR" dirty="0">
                 <a:hlinkClick r:id="rId3"/>
               </a:rPr>
               <a:t>https://github.com/hjlim1030/FIX</a:t>
             </a:r>
-            <a:endParaRPr lang="ko-KR" altLang="en-US" sz="1400" dirty="0"/>
+            <a:endParaRPr lang="ko-KR" altLang="en-US" dirty="0"/>
           </a:p>
         </p:txBody>
       </p:sp>
@@ -17039,7 +17062,7 @@
   <a:extraClrSchemeLst/>
   <a:extLst>
     <a:ext uri="{05A4C25C-085E-4340-85A3-A5531E510DB2}">
-      <thm15:themeFamily xmlns:thm15="http://schemas.microsoft.com/office/thememl/2012/main" xmlns="" name="Office Theme" id="{62F939B6-93AF-4DB8-9C6B-D6C7DFDC589F}" vid="{4A3C46E8-61CC-4603-A589-7422A47A8E4A}"/>
+      <thm15:themeFamily xmlns="" xmlns:thm15="http://schemas.microsoft.com/office/thememl/2012/main" name="Office Theme" id="{62F939B6-93AF-4DB8-9C6B-D6C7DFDC589F}" vid="{4A3C46E8-61CC-4603-A589-7422A47A8E4A}"/>
     </a:ext>
   </a:extLst>
 </a:theme>
